--- a/Attrition Management.pptx
+++ b/Attrition Management.pptx
@@ -5037,7 +5037,7 @@
           <a:p>
             <a:fld id="{4AAD347D-5ACD-4C99-B74B-A9C85AD731AF}" type="datetimeFigureOut">
               <a:rPr lang="en-US" smtClean="0"/>
-              <a:t>4/9/2018</a:t>
+              <a:t>4/13/2018</a:t>
             </a:fld>
             <a:endParaRPr lang="en-US"/>
           </a:p>
@@ -5326,7 +5326,7 @@
           <a:p>
             <a:fld id="{4509A250-FF31-4206-8172-F9D3106AACB1}" type="datetimeFigureOut">
               <a:rPr lang="en-US" smtClean="0"/>
-              <a:t>4/9/2018</a:t>
+              <a:t>4/13/2018</a:t>
             </a:fld>
             <a:endParaRPr lang="en-US"/>
           </a:p>
@@ -5584,7 +5584,7 @@
           <a:p>
             <a:fld id="{4509A250-FF31-4206-8172-F9D3106AACB1}" type="datetimeFigureOut">
               <a:rPr lang="en-US" smtClean="0"/>
-              <a:t>4/9/2018</a:t>
+              <a:t>4/13/2018</a:t>
             </a:fld>
             <a:endParaRPr lang="en-US"/>
           </a:p>
@@ -6052,7 +6052,7 @@
           <a:p>
             <a:fld id="{4509A250-FF31-4206-8172-F9D3106AACB1}" type="datetimeFigureOut">
               <a:rPr lang="en-US" smtClean="0"/>
-              <a:t>4/9/2018</a:t>
+              <a:t>4/13/2018</a:t>
             </a:fld>
             <a:endParaRPr lang="en-US"/>
           </a:p>
@@ -6231,7 +6231,7 @@
           <a:p>
             <a:fld id="{4509A250-FF31-4206-8172-F9D3106AACB1}" type="datetimeFigureOut">
               <a:rPr lang="en-US" smtClean="0"/>
-              <a:t>4/9/2018</a:t>
+              <a:t>4/13/2018</a:t>
             </a:fld>
             <a:endParaRPr lang="en-US"/>
           </a:p>
@@ -6806,7 +6806,7 @@
           <a:p>
             <a:fld id="{4AAD347D-5ACD-4C99-B74B-A9C85AD731AF}" type="datetimeFigureOut">
               <a:rPr lang="en-US" smtClean="0"/>
-              <a:t>4/9/2018</a:t>
+              <a:t>4/13/2018</a:t>
             </a:fld>
             <a:endParaRPr lang="en-US"/>
           </a:p>
@@ -7138,7 +7138,7 @@
           <a:p>
             <a:fld id="{4AAD347D-5ACD-4C99-B74B-A9C85AD731AF}" type="datetimeFigureOut">
               <a:rPr lang="en-US" smtClean="0"/>
-              <a:t>4/9/2018</a:t>
+              <a:t>4/13/2018</a:t>
             </a:fld>
             <a:endParaRPr lang="en-US"/>
           </a:p>
@@ -7312,7 +7312,7 @@
           <a:p>
             <a:fld id="{4509A250-FF31-4206-8172-F9D3106AACB1}" type="datetimeFigureOut">
               <a:rPr lang="en-US" smtClean="0"/>
-              <a:t>4/9/2018</a:t>
+              <a:t>4/13/2018</a:t>
             </a:fld>
             <a:endParaRPr lang="en-US"/>
           </a:p>
@@ -7490,7 +7490,7 @@
           <a:p>
             <a:fld id="{4509A250-FF31-4206-8172-F9D3106AACB1}" type="datetimeFigureOut">
               <a:rPr lang="en-US" smtClean="0"/>
-              <a:t>4/9/2018</a:t>
+              <a:t>4/13/2018</a:t>
             </a:fld>
             <a:endParaRPr lang="en-US"/>
           </a:p>
@@ -7658,7 +7658,7 @@
           <a:p>
             <a:fld id="{4509A250-FF31-4206-8172-F9D3106AACB1}" type="datetimeFigureOut">
               <a:rPr lang="en-US" smtClean="0"/>
-              <a:t>4/9/2018</a:t>
+              <a:t>4/13/2018</a:t>
             </a:fld>
             <a:endParaRPr lang="en-US"/>
           </a:p>
@@ -7914,7 +7914,7 @@
           <a:p>
             <a:fld id="{9796027F-7875-4030-9381-8BD8C4F21935}" type="datetimeFigureOut">
               <a:rPr lang="en-US" smtClean="0"/>
-              <a:t>4/9/2018</a:t>
+              <a:t>4/13/2018</a:t>
             </a:fld>
             <a:endParaRPr lang="en-US"/>
           </a:p>
@@ -8203,7 +8203,7 @@
           <a:p>
             <a:fld id="{9796027F-7875-4030-9381-8BD8C4F21935}" type="datetimeFigureOut">
               <a:rPr lang="en-US" smtClean="0"/>
-              <a:t>4/9/2018</a:t>
+              <a:t>4/13/2018</a:t>
             </a:fld>
             <a:endParaRPr lang="en-US"/>
           </a:p>
@@ -8630,7 +8630,7 @@
           <a:p>
             <a:fld id="{9796027F-7875-4030-9381-8BD8C4F21935}" type="datetimeFigureOut">
               <a:rPr lang="en-US" smtClean="0"/>
-              <a:t>4/9/2018</a:t>
+              <a:t>4/13/2018</a:t>
             </a:fld>
             <a:endParaRPr lang="en-US"/>
           </a:p>
@@ -8747,7 +8747,7 @@
           <a:p>
             <a:fld id="{4509A250-FF31-4206-8172-F9D3106AACB1}" type="datetimeFigureOut">
               <a:rPr lang="en-US" smtClean="0"/>
-              <a:t>4/9/2018</a:t>
+              <a:t>4/13/2018</a:t>
             </a:fld>
             <a:endParaRPr lang="en-US"/>
           </a:p>
@@ -8842,7 +8842,7 @@
           <a:p>
             <a:fld id="{4509A250-FF31-4206-8172-F9D3106AACB1}" type="datetimeFigureOut">
               <a:rPr lang="en-US" smtClean="0"/>
-              <a:t>4/9/2018</a:t>
+              <a:t>4/13/2018</a:t>
             </a:fld>
             <a:endParaRPr lang="en-US"/>
           </a:p>
@@ -9123,7 +9123,7 @@
           <a:p>
             <a:fld id="{4509A250-FF31-4206-8172-F9D3106AACB1}" type="datetimeFigureOut">
               <a:rPr lang="en-US" smtClean="0"/>
-              <a:t>4/9/2018</a:t>
+              <a:t>4/13/2018</a:t>
             </a:fld>
             <a:endParaRPr lang="en-US"/>
           </a:p>
@@ -9412,7 +9412,7 @@
           <a:p>
             <a:fld id="{4509A250-FF31-4206-8172-F9D3106AACB1}" type="datetimeFigureOut">
               <a:rPr lang="en-US" smtClean="0"/>
-              <a:t>4/9/2018</a:t>
+              <a:t>4/13/2018</a:t>
             </a:fld>
             <a:endParaRPr lang="en-US"/>
           </a:p>
@@ -9641,7 +9641,7 @@
           <a:p>
             <a:fld id="{4AAD347D-5ACD-4C99-B74B-A9C85AD731AF}" type="datetimeFigureOut">
               <a:rPr lang="en-US" smtClean="0"/>
-              <a:t>4/9/2018</a:t>
+              <a:t>4/13/2018</a:t>
             </a:fld>
             <a:endParaRPr lang="en-US"/>
           </a:p>
@@ -10616,14 +10616,14 @@
           <p:nvPr>
             <p:extLst>
               <p:ext uri="{D42A27DB-BD31-4B8C-83A1-F6EECF244321}">
-                <p14:modId xmlns:p14="http://schemas.microsoft.com/office/powerpoint/2010/main" val="2089194732"/>
+                <p14:modId xmlns:p14="http://schemas.microsoft.com/office/powerpoint/2010/main" val="2623728369"/>
               </p:ext>
             </p:extLst>
           </p:nvPr>
         </p:nvGraphicFramePr>
         <p:xfrm>
-          <a:off x="1082333" y="1646002"/>
-          <a:ext cx="10627585" cy="4913416"/>
+          <a:off x="990566" y="1511559"/>
+          <a:ext cx="10412964" cy="5180512"/>
         </p:xfrm>
         <a:graphic>
           <a:graphicData uri="http://schemas.openxmlformats.org/drawingml/2006/table">
@@ -10632,35 +10632,35 @@
                 <a:tableStyleId>{5C22544A-7EE6-4342-B048-85BDC9FD1C3A}</a:tableStyleId>
               </a:tblPr>
               <a:tblGrid>
-                <a:gridCol w="1514164">
+                <a:gridCol w="1483586">
                   <a:extLst>
                     <a:ext uri="{9D8B030D-6E8A-4147-A177-3AD203B41FA5}">
                       <a16:colId xmlns:a16="http://schemas.microsoft.com/office/drawing/2014/main" val="1267794402"/>
                     </a:ext>
                   </a:extLst>
                 </a:gridCol>
-                <a:gridCol w="2736870">
+                <a:gridCol w="2681599">
                   <a:extLst>
                     <a:ext uri="{9D8B030D-6E8A-4147-A177-3AD203B41FA5}">
                       <a16:colId xmlns:a16="http://schemas.microsoft.com/office/drawing/2014/main" val="1536598416"/>
                     </a:ext>
                   </a:extLst>
                 </a:gridCol>
-                <a:gridCol w="2125517">
+                <a:gridCol w="2082593">
                   <a:extLst>
                     <a:ext uri="{9D8B030D-6E8A-4147-A177-3AD203B41FA5}">
                       <a16:colId xmlns:a16="http://schemas.microsoft.com/office/drawing/2014/main" val="2300829404"/>
                     </a:ext>
                   </a:extLst>
                 </a:gridCol>
-                <a:gridCol w="2125517">
+                <a:gridCol w="2082593">
                   <a:extLst>
                     <a:ext uri="{9D8B030D-6E8A-4147-A177-3AD203B41FA5}">
                       <a16:colId xmlns:a16="http://schemas.microsoft.com/office/drawing/2014/main" val="3831841248"/>
                     </a:ext>
                   </a:extLst>
                 </a:gridCol>
-                <a:gridCol w="2125517">
+                <a:gridCol w="2082593">
                   <a:extLst>
                     <a:ext uri="{9D8B030D-6E8A-4147-A177-3AD203B41FA5}">
                       <a16:colId xmlns:a16="http://schemas.microsoft.com/office/drawing/2014/main" val="3440485864"/>
@@ -10668,7 +10668,7 @@
                   </a:extLst>
                 </a:gridCol>
               </a:tblGrid>
-              <a:tr h="412066">
+              <a:tr h="316094">
                 <a:tc>
                   <a:txBody>
                     <a:bodyPr/>
@@ -10745,7 +10745,7 @@
                   </a:ext>
                 </a:extLst>
               </a:tr>
-              <a:tr h="483085">
+              <a:tr h="371332">
                 <a:tc>
                   <a:txBody>
                     <a:bodyPr/>
@@ -10854,7 +10854,7 @@
                   </a:ext>
                 </a:extLst>
               </a:tr>
-              <a:tr h="289851">
+              <a:tr h="222799">
                 <a:tc>
                   <a:txBody>
                     <a:bodyPr/>
@@ -10927,7 +10927,7 @@
                   </a:ext>
                 </a:extLst>
               </a:tr>
-              <a:tr h="289851">
+              <a:tr h="222799">
                 <a:tc>
                   <a:txBody>
                     <a:bodyPr/>
@@ -11000,7 +11000,7 @@
                   </a:ext>
                 </a:extLst>
               </a:tr>
-              <a:tr h="289851">
+              <a:tr h="222799">
                 <a:tc>
                   <a:txBody>
                     <a:bodyPr/>
@@ -11073,7 +11073,7 @@
                   </a:ext>
                 </a:extLst>
               </a:tr>
-              <a:tr h="341044">
+              <a:tr h="261613">
                 <a:tc>
                   <a:txBody>
                     <a:bodyPr/>
@@ -11146,7 +11146,7 @@
                   </a:ext>
                 </a:extLst>
               </a:tr>
-              <a:tr h="289851">
+              <a:tr h="222799">
                 <a:tc>
                   <a:txBody>
                     <a:bodyPr/>
@@ -11223,7 +11223,7 @@
                   </a:ext>
                 </a:extLst>
               </a:tr>
-              <a:tr h="289851">
+              <a:tr h="222799">
                 <a:tc>
                   <a:txBody>
                     <a:bodyPr/>
@@ -11296,7 +11296,7 @@
                   </a:ext>
                 </a:extLst>
               </a:tr>
-              <a:tr h="289851">
+              <a:tr h="222799">
                 <a:tc>
                   <a:txBody>
                     <a:bodyPr/>
@@ -11401,7 +11401,7 @@
                   </a:ext>
                 </a:extLst>
               </a:tr>
-              <a:tr h="289851">
+              <a:tr h="222799">
                 <a:tc>
                   <a:txBody>
                     <a:bodyPr/>
@@ -11491,7 +11491,7 @@
                   </a:ext>
                 </a:extLst>
               </a:tr>
-              <a:tr h="412066">
+              <a:tr h="316094">
                 <a:tc>
                   <a:txBody>
                     <a:bodyPr/>
@@ -11581,7 +11581,7 @@
                   </a:ext>
                 </a:extLst>
               </a:tr>
-              <a:tr h="412066">
+              <a:tr h="316094">
                 <a:tc>
                   <a:txBody>
                     <a:bodyPr/>
@@ -11707,7 +11707,7 @@
                   </a:ext>
                 </a:extLst>
               </a:tr>
-              <a:tr h="412066">
+              <a:tr h="316094">
                 <a:tc>
                   <a:txBody>
                     <a:bodyPr/>
@@ -11801,7 +11801,7 @@
                   </a:ext>
                 </a:extLst>
               </a:tr>
-              <a:tr h="412066">
+              <a:tr h="316094">
                 <a:tc>
                   <a:txBody>
                     <a:bodyPr/>
@@ -11868,7 +11868,7 @@
                     <a:p>
                       <a:r>
                         <a:rPr lang="en-US" sz="1200" dirty="0"/>
-                        <a:t>0.57</a:t>
+                        <a:t>0.58</a:t>
                       </a:r>
                       <a:endParaRPr lang="en-GB" sz="1200" dirty="0"/>
                     </a:p>
@@ -11882,9 +11882,8 @@
                     <a:p>
                       <a:r>
                         <a:rPr lang="en-US" sz="1200" dirty="0"/>
-                        <a:t>0.18</a:t>
+                        <a:t>0.19</a:t>
                       </a:r>
-                      <a:endParaRPr lang="en-GB" sz="1200" dirty="0"/>
                     </a:p>
                   </a:txBody>
                   <a:tcPr/>
@@ -11892,6 +11891,377 @@
                 <a:extLst>
                   <a:ext uri="{0D108BD9-81ED-4DB2-BD59-A6C34878D82A}">
                     <a16:rowId xmlns:a16="http://schemas.microsoft.com/office/drawing/2014/main" val="221188882"/>
+                  </a:ext>
+                </a:extLst>
+              </a:tr>
+              <a:tr h="316094">
+                <a:tc>
+                  <a:txBody>
+                    <a:bodyPr/>
+                    <a:lstStyle/>
+                    <a:p>
+                      <a:r>
+                        <a:rPr lang="en-US" sz="1200" dirty="0">
+                          <a:highlight>
+                            <a:srgbClr val="00FF00"/>
+                          </a:highlight>
+                        </a:rPr>
+                        <a:t>XGBOOST</a:t>
+                      </a:r>
+                      <a:endParaRPr lang="en-GB" sz="1200" dirty="0">
+                        <a:highlight>
+                          <a:srgbClr val="00FF00"/>
+                        </a:highlight>
+                      </a:endParaRPr>
+                    </a:p>
+                  </a:txBody>
+                  <a:tcPr/>
+                </a:tc>
+                <a:tc>
+                  <a:txBody>
+                    <a:bodyPr/>
+                    <a:lstStyle/>
+                    <a:p>
+                      <a:pPr marL="0" marR="0" lvl="0" indent="0" algn="l" defTabSz="457200" rtl="0" eaLnBrk="1" fontAlgn="auto" latinLnBrk="0" hangingPunct="1">
+                        <a:lnSpc>
+                          <a:spcPct val="100000"/>
+                        </a:lnSpc>
+                        <a:spcBef>
+                          <a:spcPts val="0"/>
+                        </a:spcBef>
+                        <a:spcAft>
+                          <a:spcPts val="0"/>
+                        </a:spcAft>
+                        <a:buClrTx/>
+                        <a:buSzTx/>
+                        <a:buFontTx/>
+                        <a:buNone/>
+                        <a:tabLst/>
+                        <a:defRPr/>
+                      </a:pPr>
+                      <a:r>
+                        <a:rPr lang="en-US" sz="1200" dirty="0">
+                          <a:highlight>
+                            <a:srgbClr val="00FF00"/>
+                          </a:highlight>
+                        </a:rPr>
+                        <a:t>All data</a:t>
+                      </a:r>
+                      <a:endParaRPr lang="en-GB" sz="1200" dirty="0">
+                        <a:highlight>
+                          <a:srgbClr val="00FF00"/>
+                        </a:highlight>
+                      </a:endParaRPr>
+                    </a:p>
+                  </a:txBody>
+                  <a:tcPr/>
+                </a:tc>
+                <a:tc>
+                  <a:txBody>
+                    <a:bodyPr/>
+                    <a:lstStyle/>
+                    <a:p>
+                      <a:r>
+                        <a:rPr lang="en-US" sz="1200" dirty="0">
+                          <a:highlight>
+                            <a:srgbClr val="00FF00"/>
+                          </a:highlight>
+                        </a:rPr>
+                        <a:t>88.04%</a:t>
+                      </a:r>
+                      <a:endParaRPr lang="en-GB" sz="1200" dirty="0">
+                        <a:highlight>
+                          <a:srgbClr val="00FF00"/>
+                        </a:highlight>
+                      </a:endParaRPr>
+                    </a:p>
+                  </a:txBody>
+                  <a:tcPr/>
+                </a:tc>
+                <a:tc>
+                  <a:txBody>
+                    <a:bodyPr/>
+                    <a:lstStyle/>
+                    <a:p>
+                      <a:r>
+                        <a:rPr lang="en-US" sz="1200" dirty="0">
+                          <a:highlight>
+                            <a:srgbClr val="00FF00"/>
+                          </a:highlight>
+                        </a:rPr>
+                        <a:t>0.66</a:t>
+                      </a:r>
+                      <a:endParaRPr lang="en-GB" sz="1200" dirty="0">
+                        <a:highlight>
+                          <a:srgbClr val="00FF00"/>
+                        </a:highlight>
+                      </a:endParaRPr>
+                    </a:p>
+                  </a:txBody>
+                  <a:tcPr/>
+                </a:tc>
+                <a:tc>
+                  <a:txBody>
+                    <a:bodyPr/>
+                    <a:lstStyle/>
+                    <a:p>
+                      <a:r>
+                        <a:rPr lang="en-US" sz="1200" dirty="0">
+                          <a:highlight>
+                            <a:srgbClr val="00FF00"/>
+                          </a:highlight>
+                        </a:rPr>
+                        <a:t>0.4</a:t>
+                      </a:r>
+                    </a:p>
+                  </a:txBody>
+                  <a:tcPr/>
+                </a:tc>
+                <a:extLst>
+                  <a:ext uri="{0D108BD9-81ED-4DB2-BD59-A6C34878D82A}">
+                    <a16:rowId xmlns:a16="http://schemas.microsoft.com/office/drawing/2014/main" val="3208301282"/>
+                  </a:ext>
+                </a:extLst>
+              </a:tr>
+              <a:tr h="316094">
+                <a:tc>
+                  <a:txBody>
+                    <a:bodyPr/>
+                    <a:lstStyle/>
+                    <a:p>
+                      <a:endParaRPr lang="en-GB" sz="1200" dirty="0">
+                        <a:highlight>
+                          <a:srgbClr val="00FF00"/>
+                        </a:highlight>
+                      </a:endParaRPr>
+                    </a:p>
+                  </a:txBody>
+                  <a:tcPr/>
+                </a:tc>
+                <a:tc>
+                  <a:txBody>
+                    <a:bodyPr/>
+                    <a:lstStyle/>
+                    <a:p>
+                      <a:pPr marL="0" marR="0" lvl="0" indent="0" algn="l" defTabSz="457200" rtl="0" eaLnBrk="1" fontAlgn="auto" latinLnBrk="0" hangingPunct="1">
+                        <a:lnSpc>
+                          <a:spcPct val="100000"/>
+                        </a:lnSpc>
+                        <a:spcBef>
+                          <a:spcPts val="0"/>
+                        </a:spcBef>
+                        <a:spcAft>
+                          <a:spcPts val="0"/>
+                        </a:spcAft>
+                        <a:buClrTx/>
+                        <a:buSzTx/>
+                        <a:buFontTx/>
+                        <a:buNone/>
+                        <a:tabLst/>
+                        <a:defRPr/>
+                      </a:pPr>
+                      <a:r>
+                        <a:rPr lang="en-US" sz="1200" dirty="0">
+                          <a:highlight>
+                            <a:srgbClr val="00FF00"/>
+                          </a:highlight>
+                        </a:rPr>
+                        <a:t>Smote 1</a:t>
+                      </a:r>
+                      <a:endParaRPr lang="en-GB" sz="1200" dirty="0">
+                        <a:highlight>
+                          <a:srgbClr val="00FF00"/>
+                        </a:highlight>
+                      </a:endParaRPr>
+                    </a:p>
+                  </a:txBody>
+                  <a:tcPr/>
+                </a:tc>
+                <a:tc>
+                  <a:txBody>
+                    <a:bodyPr/>
+                    <a:lstStyle/>
+                    <a:p>
+                      <a:r>
+                        <a:rPr lang="en-US" sz="1200" dirty="0">
+                          <a:highlight>
+                            <a:srgbClr val="00FF00"/>
+                          </a:highlight>
+                        </a:rPr>
+                        <a:t>91.41%</a:t>
+                      </a:r>
+                      <a:endParaRPr lang="en-GB" sz="1200" dirty="0">
+                        <a:highlight>
+                          <a:srgbClr val="00FF00"/>
+                        </a:highlight>
+                      </a:endParaRPr>
+                    </a:p>
+                  </a:txBody>
+                  <a:tcPr/>
+                </a:tc>
+                <a:tc>
+                  <a:txBody>
+                    <a:bodyPr/>
+                    <a:lstStyle/>
+                    <a:p>
+                      <a:r>
+                        <a:rPr lang="en-US" sz="1200" dirty="0">
+                          <a:highlight>
+                            <a:srgbClr val="00FF00"/>
+                          </a:highlight>
+                        </a:rPr>
+                        <a:t>0.92</a:t>
+                      </a:r>
+                      <a:endParaRPr lang="en-GB" sz="1200" dirty="0">
+                        <a:highlight>
+                          <a:srgbClr val="00FF00"/>
+                        </a:highlight>
+                      </a:endParaRPr>
+                    </a:p>
+                  </a:txBody>
+                  <a:tcPr/>
+                </a:tc>
+                <a:tc>
+                  <a:txBody>
+                    <a:bodyPr/>
+                    <a:lstStyle/>
+                    <a:p>
+                      <a:r>
+                        <a:rPr lang="en-US" sz="1200" dirty="0">
+                          <a:highlight>
+                            <a:srgbClr val="00FF00"/>
+                          </a:highlight>
+                        </a:rPr>
+                        <a:t>0.82</a:t>
+                      </a:r>
+                    </a:p>
+                  </a:txBody>
+                  <a:tcPr/>
+                </a:tc>
+                <a:extLst>
+                  <a:ext uri="{0D108BD9-81ED-4DB2-BD59-A6C34878D82A}">
+                    <a16:rowId xmlns:a16="http://schemas.microsoft.com/office/drawing/2014/main" val="3689246351"/>
+                  </a:ext>
+                </a:extLst>
+              </a:tr>
+              <a:tr h="316094">
+                <a:tc>
+                  <a:txBody>
+                    <a:bodyPr/>
+                    <a:lstStyle/>
+                    <a:p>
+                      <a:endParaRPr lang="en-GB" sz="1200" dirty="0">
+                        <a:highlight>
+                          <a:srgbClr val="00FF00"/>
+                        </a:highlight>
+                      </a:endParaRPr>
+                    </a:p>
+                  </a:txBody>
+                  <a:tcPr/>
+                </a:tc>
+                <a:tc>
+                  <a:txBody>
+                    <a:bodyPr/>
+                    <a:lstStyle/>
+                    <a:p>
+                      <a:pPr marL="0" marR="0" lvl="0" indent="0" algn="l" defTabSz="457200" rtl="0" eaLnBrk="1" fontAlgn="auto" latinLnBrk="0" hangingPunct="1">
+                        <a:lnSpc>
+                          <a:spcPct val="100000"/>
+                        </a:lnSpc>
+                        <a:spcBef>
+                          <a:spcPts val="0"/>
+                        </a:spcBef>
+                        <a:spcAft>
+                          <a:spcPts val="0"/>
+                        </a:spcAft>
+                        <a:buClrTx/>
+                        <a:buSzTx/>
+                        <a:buFontTx/>
+                        <a:buNone/>
+                        <a:tabLst/>
+                        <a:defRPr/>
+                      </a:pPr>
+                      <a:r>
+                        <a:rPr lang="en-US" sz="1200" dirty="0">
+                          <a:highlight>
+                            <a:srgbClr val="00FF00"/>
+                          </a:highlight>
+                        </a:rPr>
+                        <a:t>Smote 2</a:t>
+                      </a:r>
+                      <a:endParaRPr lang="en-GB" sz="1200" dirty="0">
+                        <a:highlight>
+                          <a:srgbClr val="00FF00"/>
+                        </a:highlight>
+                      </a:endParaRPr>
+                    </a:p>
+                  </a:txBody>
+                  <a:tcPr/>
+                </a:tc>
+                <a:tc>
+                  <a:txBody>
+                    <a:bodyPr/>
+                    <a:lstStyle/>
+                    <a:p>
+                      <a:r>
+                        <a:rPr lang="en-US" sz="1200" dirty="0">
+                          <a:highlight>
+                            <a:srgbClr val="00FF00"/>
+                          </a:highlight>
+                        </a:rPr>
+                        <a:t>87.35%</a:t>
+                      </a:r>
+                      <a:endParaRPr lang="en-GB" sz="1200" dirty="0">
+                        <a:highlight>
+                          <a:srgbClr val="00FF00"/>
+                        </a:highlight>
+                      </a:endParaRPr>
+                    </a:p>
+                  </a:txBody>
+                  <a:tcPr/>
+                </a:tc>
+                <a:tc>
+                  <a:txBody>
+                    <a:bodyPr/>
+                    <a:lstStyle/>
+                    <a:p>
+                      <a:r>
+                        <a:rPr lang="en-US" sz="1200" dirty="0">
+                          <a:highlight>
+                            <a:srgbClr val="00FF00"/>
+                          </a:highlight>
+                        </a:rPr>
+                        <a:t>0.87</a:t>
+                      </a:r>
+                      <a:endParaRPr lang="en-GB" sz="1200" dirty="0">
+                        <a:highlight>
+                          <a:srgbClr val="00FF00"/>
+                        </a:highlight>
+                      </a:endParaRPr>
+                    </a:p>
+                  </a:txBody>
+                  <a:tcPr/>
+                </a:tc>
+                <a:tc>
+                  <a:txBody>
+                    <a:bodyPr/>
+                    <a:lstStyle/>
+                    <a:p>
+                      <a:r>
+                        <a:rPr lang="en-US" sz="1200" dirty="0">
+                          <a:highlight>
+                            <a:srgbClr val="00FF00"/>
+                          </a:highlight>
+                        </a:rPr>
+                        <a:t>0.74</a:t>
+                      </a:r>
+                    </a:p>
+                  </a:txBody>
+                  <a:tcPr/>
+                </a:tc>
+                <a:extLst>
+                  <a:ext uri="{0D108BD9-81ED-4DB2-BD59-A6C34878D82A}">
+                    <a16:rowId xmlns:a16="http://schemas.microsoft.com/office/drawing/2014/main" val="4024500149"/>
                   </a:ext>
                 </a:extLst>
               </a:tr>
@@ -11988,7 +12358,7 @@
         </p:spPr>
         <p:txBody>
           <a:bodyPr vert="horz" lIns="91440" tIns="45720" rIns="91440" bIns="45720" rtlCol="0" anchor="t">
-            <a:normAutofit/>
+            <a:normAutofit fontScale="92500" lnSpcReduction="10000"/>
           </a:bodyPr>
           <a:lstStyle/>
           <a:p>
@@ -12026,6 +12396,21 @@
               <a:rPr lang="en-US" dirty="0"/>
               <a:t>Our model should just be able to predict better than random but imagine the cost of entertaining an employee who was not going to leave but our system tagged him – This is a future improvement for our model</a:t>
             </a:r>
+          </a:p>
+          <a:p>
+            <a:r>
+              <a:rPr lang="en-US" dirty="0" err="1"/>
+              <a:t>XGBoost</a:t>
+            </a:r>
+            <a:r>
+              <a:rPr lang="en-US" dirty="0"/>
+              <a:t> model created a nice ensemble of trees for us, whose accuracy could increase more than the decision tree if we </a:t>
+            </a:r>
+            <a:r>
+              <a:rPr lang="en-US"/>
+              <a:t>get more data</a:t>
+            </a:r>
+            <a:endParaRPr lang="en-US" dirty="0"/>
           </a:p>
           <a:p>
             <a:pPr marL="0" indent="0">

--- a/Attrition Management.pptx
+++ b/Attrition Management.pptx
@@ -5037,7 +5037,7 @@
           <a:p>
             <a:fld id="{4AAD347D-5ACD-4C99-B74B-A9C85AD731AF}" type="datetimeFigureOut">
               <a:rPr lang="en-US" smtClean="0"/>
-              <a:t>4/13/2018</a:t>
+              <a:t>4/14/2018</a:t>
             </a:fld>
             <a:endParaRPr lang="en-US"/>
           </a:p>
@@ -5326,7 +5326,7 @@
           <a:p>
             <a:fld id="{4509A250-FF31-4206-8172-F9D3106AACB1}" type="datetimeFigureOut">
               <a:rPr lang="en-US" smtClean="0"/>
-              <a:t>4/13/2018</a:t>
+              <a:t>4/14/2018</a:t>
             </a:fld>
             <a:endParaRPr lang="en-US"/>
           </a:p>
@@ -5584,7 +5584,7 @@
           <a:p>
             <a:fld id="{4509A250-FF31-4206-8172-F9D3106AACB1}" type="datetimeFigureOut">
               <a:rPr lang="en-US" smtClean="0"/>
-              <a:t>4/13/2018</a:t>
+              <a:t>4/14/2018</a:t>
             </a:fld>
             <a:endParaRPr lang="en-US"/>
           </a:p>
@@ -6052,7 +6052,7 @@
           <a:p>
             <a:fld id="{4509A250-FF31-4206-8172-F9D3106AACB1}" type="datetimeFigureOut">
               <a:rPr lang="en-US" smtClean="0"/>
-              <a:t>4/13/2018</a:t>
+              <a:t>4/14/2018</a:t>
             </a:fld>
             <a:endParaRPr lang="en-US"/>
           </a:p>
@@ -6231,7 +6231,7 @@
           <a:p>
             <a:fld id="{4509A250-FF31-4206-8172-F9D3106AACB1}" type="datetimeFigureOut">
               <a:rPr lang="en-US" smtClean="0"/>
-              <a:t>4/13/2018</a:t>
+              <a:t>4/14/2018</a:t>
             </a:fld>
             <a:endParaRPr lang="en-US"/>
           </a:p>
@@ -6806,7 +6806,7 @@
           <a:p>
             <a:fld id="{4AAD347D-5ACD-4C99-B74B-A9C85AD731AF}" type="datetimeFigureOut">
               <a:rPr lang="en-US" smtClean="0"/>
-              <a:t>4/13/2018</a:t>
+              <a:t>4/14/2018</a:t>
             </a:fld>
             <a:endParaRPr lang="en-US"/>
           </a:p>
@@ -7138,7 +7138,7 @@
           <a:p>
             <a:fld id="{4AAD347D-5ACD-4C99-B74B-A9C85AD731AF}" type="datetimeFigureOut">
               <a:rPr lang="en-US" smtClean="0"/>
-              <a:t>4/13/2018</a:t>
+              <a:t>4/14/2018</a:t>
             </a:fld>
             <a:endParaRPr lang="en-US"/>
           </a:p>
@@ -7312,7 +7312,7 @@
           <a:p>
             <a:fld id="{4509A250-FF31-4206-8172-F9D3106AACB1}" type="datetimeFigureOut">
               <a:rPr lang="en-US" smtClean="0"/>
-              <a:t>4/13/2018</a:t>
+              <a:t>4/14/2018</a:t>
             </a:fld>
             <a:endParaRPr lang="en-US"/>
           </a:p>
@@ -7490,7 +7490,7 @@
           <a:p>
             <a:fld id="{4509A250-FF31-4206-8172-F9D3106AACB1}" type="datetimeFigureOut">
               <a:rPr lang="en-US" smtClean="0"/>
-              <a:t>4/13/2018</a:t>
+              <a:t>4/14/2018</a:t>
             </a:fld>
             <a:endParaRPr lang="en-US"/>
           </a:p>
@@ -7658,7 +7658,7 @@
           <a:p>
             <a:fld id="{4509A250-FF31-4206-8172-F9D3106AACB1}" type="datetimeFigureOut">
               <a:rPr lang="en-US" smtClean="0"/>
-              <a:t>4/13/2018</a:t>
+              <a:t>4/14/2018</a:t>
             </a:fld>
             <a:endParaRPr lang="en-US"/>
           </a:p>
@@ -7914,7 +7914,7 @@
           <a:p>
             <a:fld id="{9796027F-7875-4030-9381-8BD8C4F21935}" type="datetimeFigureOut">
               <a:rPr lang="en-US" smtClean="0"/>
-              <a:t>4/13/2018</a:t>
+              <a:t>4/14/2018</a:t>
             </a:fld>
             <a:endParaRPr lang="en-US"/>
           </a:p>
@@ -8203,7 +8203,7 @@
           <a:p>
             <a:fld id="{9796027F-7875-4030-9381-8BD8C4F21935}" type="datetimeFigureOut">
               <a:rPr lang="en-US" smtClean="0"/>
-              <a:t>4/13/2018</a:t>
+              <a:t>4/14/2018</a:t>
             </a:fld>
             <a:endParaRPr lang="en-US"/>
           </a:p>
@@ -8630,7 +8630,7 @@
           <a:p>
             <a:fld id="{9796027F-7875-4030-9381-8BD8C4F21935}" type="datetimeFigureOut">
               <a:rPr lang="en-US" smtClean="0"/>
-              <a:t>4/13/2018</a:t>
+              <a:t>4/14/2018</a:t>
             </a:fld>
             <a:endParaRPr lang="en-US"/>
           </a:p>
@@ -8747,7 +8747,7 @@
           <a:p>
             <a:fld id="{4509A250-FF31-4206-8172-F9D3106AACB1}" type="datetimeFigureOut">
               <a:rPr lang="en-US" smtClean="0"/>
-              <a:t>4/13/2018</a:t>
+              <a:t>4/14/2018</a:t>
             </a:fld>
             <a:endParaRPr lang="en-US"/>
           </a:p>
@@ -8842,7 +8842,7 @@
           <a:p>
             <a:fld id="{4509A250-FF31-4206-8172-F9D3106AACB1}" type="datetimeFigureOut">
               <a:rPr lang="en-US" smtClean="0"/>
-              <a:t>4/13/2018</a:t>
+              <a:t>4/14/2018</a:t>
             </a:fld>
             <a:endParaRPr lang="en-US"/>
           </a:p>
@@ -9123,7 +9123,7 @@
           <a:p>
             <a:fld id="{4509A250-FF31-4206-8172-F9D3106AACB1}" type="datetimeFigureOut">
               <a:rPr lang="en-US" smtClean="0"/>
-              <a:t>4/13/2018</a:t>
+              <a:t>4/14/2018</a:t>
             </a:fld>
             <a:endParaRPr lang="en-US"/>
           </a:p>
@@ -9412,7 +9412,7 @@
           <a:p>
             <a:fld id="{4509A250-FF31-4206-8172-F9D3106AACB1}" type="datetimeFigureOut">
               <a:rPr lang="en-US" smtClean="0"/>
-              <a:t>4/13/2018</a:t>
+              <a:t>4/14/2018</a:t>
             </a:fld>
             <a:endParaRPr lang="en-US"/>
           </a:p>
@@ -9641,7 +9641,7 @@
           <a:p>
             <a:fld id="{4AAD347D-5ACD-4C99-B74B-A9C85AD731AF}" type="datetimeFigureOut">
               <a:rPr lang="en-US" smtClean="0"/>
-              <a:t>4/13/2018</a:t>
+              <a:t>4/14/2018</a:t>
             </a:fld>
             <a:endParaRPr lang="en-US"/>
           </a:p>
@@ -12404,13 +12404,8 @@
             </a:r>
             <a:r>
               <a:rPr lang="en-US" dirty="0"/>
-              <a:t> model created a nice ensemble of trees for us, whose accuracy could increase more than the decision tree if we </a:t>
-            </a:r>
-            <a:r>
-              <a:rPr lang="en-US"/>
-              <a:t>get more data</a:t>
-            </a:r>
-            <a:endParaRPr lang="en-US" dirty="0"/>
+              <a:t> model created a nice ensemble of trees for us, whose accuracy could increase more than the decision tree if we get more data</a:t>
+            </a:r>
           </a:p>
           <a:p>
             <a:pPr marL="0" indent="0">
@@ -12858,37 +12853,7 @@
             </a:pPr>
             <a:r>
               <a:rPr lang="en-US" dirty="0"/>
-              <a:t>We achieved this early warning system based on several data mining techniques in order to be  very accurate on supervised classification modelling (Accuracy= 87.7% and roc of 61%).</a:t>
-            </a:r>
-          </a:p>
-          <a:p>
-            <a:pPr>
-              <a:buNone/>
-            </a:pPr>
-            <a:r>
-              <a:rPr lang="en-US" dirty="0"/>
-              <a:t>Synthetic data did not achieve a higher accuracy as compared to the original data</a:t>
-            </a:r>
-            <a:r>
-              <a:rPr lang="en-US" dirty="0">
-                <a:solidFill>
-                  <a:schemeClr val="tx1"/>
-                </a:solidFill>
-              </a:rPr>
-              <a:t>.</a:t>
-            </a:r>
-          </a:p>
-          <a:p>
-            <a:pPr>
-              <a:buNone/>
-            </a:pPr>
-            <a:r>
-              <a:rPr lang="en-US" dirty="0">
-                <a:solidFill>
-                  <a:schemeClr val="tx1"/>
-                </a:solidFill>
-              </a:rPr>
-              <a:t>WHY WE CHOSE THAT 87.7% AS OUR ACCURACY</a:t>
+              <a:t>We achieved this early warning system based on several data mining techniques in order to be  very accurate on supervised classification modelling</a:t>
             </a:r>
           </a:p>
         </p:txBody>

--- a/Attrition Management.pptx
+++ b/Attrition Management.pptx
@@ -5036,7 +5036,7 @@
           <a:p>
             <a:fld id="{4AAD347D-5ACD-4C99-B74B-A9C85AD731AF}" type="datetimeFigureOut">
               <a:rPr lang="en-US" smtClean="0"/>
-              <a:t>4/19/2018</a:t>
+              <a:t>4/22/2018</a:t>
             </a:fld>
             <a:endParaRPr lang="en-US"/>
           </a:p>
@@ -5325,7 +5325,7 @@
           <a:p>
             <a:fld id="{4509A250-FF31-4206-8172-F9D3106AACB1}" type="datetimeFigureOut">
               <a:rPr lang="en-US" smtClean="0"/>
-              <a:t>4/19/2018</a:t>
+              <a:t>4/22/2018</a:t>
             </a:fld>
             <a:endParaRPr lang="en-US"/>
           </a:p>
@@ -5583,7 +5583,7 @@
           <a:p>
             <a:fld id="{4509A250-FF31-4206-8172-F9D3106AACB1}" type="datetimeFigureOut">
               <a:rPr lang="en-US" smtClean="0"/>
-              <a:t>4/19/2018</a:t>
+              <a:t>4/22/2018</a:t>
             </a:fld>
             <a:endParaRPr lang="en-US"/>
           </a:p>
@@ -6051,7 +6051,7 @@
           <a:p>
             <a:fld id="{4509A250-FF31-4206-8172-F9D3106AACB1}" type="datetimeFigureOut">
               <a:rPr lang="en-US" smtClean="0"/>
-              <a:t>4/19/2018</a:t>
+              <a:t>4/22/2018</a:t>
             </a:fld>
             <a:endParaRPr lang="en-US"/>
           </a:p>
@@ -6230,7 +6230,7 @@
           <a:p>
             <a:fld id="{4509A250-FF31-4206-8172-F9D3106AACB1}" type="datetimeFigureOut">
               <a:rPr lang="en-US" smtClean="0"/>
-              <a:t>4/19/2018</a:t>
+              <a:t>4/22/2018</a:t>
             </a:fld>
             <a:endParaRPr lang="en-US"/>
           </a:p>
@@ -6805,7 +6805,7 @@
           <a:p>
             <a:fld id="{4AAD347D-5ACD-4C99-B74B-A9C85AD731AF}" type="datetimeFigureOut">
               <a:rPr lang="en-US" smtClean="0"/>
-              <a:t>4/19/2018</a:t>
+              <a:t>4/22/2018</a:t>
             </a:fld>
             <a:endParaRPr lang="en-US"/>
           </a:p>
@@ -7137,7 +7137,7 @@
           <a:p>
             <a:fld id="{4AAD347D-5ACD-4C99-B74B-A9C85AD731AF}" type="datetimeFigureOut">
               <a:rPr lang="en-US" smtClean="0"/>
-              <a:t>4/19/2018</a:t>
+              <a:t>4/22/2018</a:t>
             </a:fld>
             <a:endParaRPr lang="en-US"/>
           </a:p>
@@ -7311,7 +7311,7 @@
           <a:p>
             <a:fld id="{4509A250-FF31-4206-8172-F9D3106AACB1}" type="datetimeFigureOut">
               <a:rPr lang="en-US" smtClean="0"/>
-              <a:t>4/19/2018</a:t>
+              <a:t>4/22/2018</a:t>
             </a:fld>
             <a:endParaRPr lang="en-US"/>
           </a:p>
@@ -7489,7 +7489,7 @@
           <a:p>
             <a:fld id="{4509A250-FF31-4206-8172-F9D3106AACB1}" type="datetimeFigureOut">
               <a:rPr lang="en-US" smtClean="0"/>
-              <a:t>4/19/2018</a:t>
+              <a:t>4/22/2018</a:t>
             </a:fld>
             <a:endParaRPr lang="en-US"/>
           </a:p>
@@ -7657,7 +7657,7 @@
           <a:p>
             <a:fld id="{4509A250-FF31-4206-8172-F9D3106AACB1}" type="datetimeFigureOut">
               <a:rPr lang="en-US" smtClean="0"/>
-              <a:t>4/19/2018</a:t>
+              <a:t>4/22/2018</a:t>
             </a:fld>
             <a:endParaRPr lang="en-US"/>
           </a:p>
@@ -7913,7 +7913,7 @@
           <a:p>
             <a:fld id="{9796027F-7875-4030-9381-8BD8C4F21935}" type="datetimeFigureOut">
               <a:rPr lang="en-US" smtClean="0"/>
-              <a:t>4/19/2018</a:t>
+              <a:t>4/22/2018</a:t>
             </a:fld>
             <a:endParaRPr lang="en-US"/>
           </a:p>
@@ -8202,7 +8202,7 @@
           <a:p>
             <a:fld id="{9796027F-7875-4030-9381-8BD8C4F21935}" type="datetimeFigureOut">
               <a:rPr lang="en-US" smtClean="0"/>
-              <a:t>4/19/2018</a:t>
+              <a:t>4/22/2018</a:t>
             </a:fld>
             <a:endParaRPr lang="en-US"/>
           </a:p>
@@ -8629,7 +8629,7 @@
           <a:p>
             <a:fld id="{9796027F-7875-4030-9381-8BD8C4F21935}" type="datetimeFigureOut">
               <a:rPr lang="en-US" smtClean="0"/>
-              <a:t>4/19/2018</a:t>
+              <a:t>4/22/2018</a:t>
             </a:fld>
             <a:endParaRPr lang="en-US"/>
           </a:p>
@@ -8746,7 +8746,7 @@
           <a:p>
             <a:fld id="{4509A250-FF31-4206-8172-F9D3106AACB1}" type="datetimeFigureOut">
               <a:rPr lang="en-US" smtClean="0"/>
-              <a:t>4/19/2018</a:t>
+              <a:t>4/22/2018</a:t>
             </a:fld>
             <a:endParaRPr lang="en-US"/>
           </a:p>
@@ -8841,7 +8841,7 @@
           <a:p>
             <a:fld id="{4509A250-FF31-4206-8172-F9D3106AACB1}" type="datetimeFigureOut">
               <a:rPr lang="en-US" smtClean="0"/>
-              <a:t>4/19/2018</a:t>
+              <a:t>4/22/2018</a:t>
             </a:fld>
             <a:endParaRPr lang="en-US"/>
           </a:p>
@@ -9122,7 +9122,7 @@
           <a:p>
             <a:fld id="{4509A250-FF31-4206-8172-F9D3106AACB1}" type="datetimeFigureOut">
               <a:rPr lang="en-US" smtClean="0"/>
-              <a:t>4/19/2018</a:t>
+              <a:t>4/22/2018</a:t>
             </a:fld>
             <a:endParaRPr lang="en-US"/>
           </a:p>
@@ -9411,7 +9411,7 @@
           <a:p>
             <a:fld id="{4509A250-FF31-4206-8172-F9D3106AACB1}" type="datetimeFigureOut">
               <a:rPr lang="en-US" smtClean="0"/>
-              <a:t>4/19/2018</a:t>
+              <a:t>4/22/2018</a:t>
             </a:fld>
             <a:endParaRPr lang="en-US"/>
           </a:p>
@@ -9640,7 +9640,7 @@
           <a:p>
             <a:fld id="{4AAD347D-5ACD-4C99-B74B-A9C85AD731AF}" type="datetimeFigureOut">
               <a:rPr lang="en-US" smtClean="0"/>
-              <a:t>4/19/2018</a:t>
+              <a:t>4/22/2018</a:t>
             </a:fld>
             <a:endParaRPr lang="en-US"/>
           </a:p>
@@ -26525,16 +26525,22 @@
             <p:ph type="title"/>
           </p:nvPr>
         </p:nvSpPr>
-        <p:spPr/>
+        <p:spPr>
+          <a:xfrm>
+            <a:off x="1141414" y="-556726"/>
+            <a:ext cx="9905998" cy="1905000"/>
+          </a:xfrm>
+        </p:spPr>
         <p:txBody>
           <a:bodyPr/>
           <a:lstStyle/>
           <a:p>
             <a:pPr algn="ctr"/>
             <a:r>
-              <a:rPr lang="en-US" dirty="0"/>
+              <a:rPr lang="en-US"/>
               <a:t>Feature selection</a:t>
             </a:r>
+            <a:endParaRPr lang="en-US" dirty="0"/>
           </a:p>
         </p:txBody>
       </p:sp>
@@ -26562,8 +26568,8 @@
         </p:blipFill>
         <p:spPr>
           <a:xfrm>
-            <a:off x="1139975" y="2717230"/>
-            <a:ext cx="4876800" cy="3019425"/>
+            <a:off x="6726271" y="3473945"/>
+            <a:ext cx="5465729" cy="3384055"/>
           </a:xfrm>
           <a:prstGeom prst="rect">
             <a:avLst/>
@@ -26586,7 +26592,12 @@
             <p:ph sz="half" idx="2"/>
           </p:nvPr>
         </p:nvSpPr>
-        <p:spPr/>
+        <p:spPr>
+          <a:xfrm>
+            <a:off x="7315200" y="756060"/>
+            <a:ext cx="4876800" cy="3124200"/>
+          </a:xfrm>
+        </p:spPr>
         <p:txBody>
           <a:bodyPr>
             <a:normAutofit/>
@@ -26596,7 +26607,7 @@
             <a:pPr marL="0" indent="0">
               <a:buNone/>
             </a:pPr>
-            <a:endParaRPr lang="en-US"/>
+            <a:endParaRPr lang="en-US" dirty="0"/>
           </a:p>
           <a:p>
             <a:r>
@@ -26610,6 +26621,550 @@
             </a:endParaRPr>
           </a:p>
           <a:p>
+            <a:pPr marL="0" indent="0">
+              <a:buNone/>
+            </a:pPr>
+            <a:endParaRPr lang="en-US" dirty="0"/>
+          </a:p>
+        </p:txBody>
+      </p:sp>
+      <p:pic>
+        <p:nvPicPr>
+          <p:cNvPr id="6" name="Picture 5">
+            <a:extLst>
+              <a:ext uri="{FF2B5EF4-FFF2-40B4-BE49-F238E27FC236}">
+                <a16:creationId xmlns:a16="http://schemas.microsoft.com/office/drawing/2014/main" id="{6D61B94C-BC3E-4F51-A328-0B8730EFF9A0}"/>
+              </a:ext>
+            </a:extLst>
+          </p:cNvPr>
+          <p:cNvPicPr/>
+          <p:nvPr/>
+        </p:nvPicPr>
+        <p:blipFill>
+          <a:blip r:embed="rId3">
+            <a:extLst>
+              <a:ext uri="{28A0092B-C50C-407E-A947-70E740481C1C}">
+                <a14:useLocalDpi xmlns:a14="http://schemas.microsoft.com/office/drawing/2010/main" val="0"/>
+              </a:ext>
+            </a:extLst>
+          </a:blip>
+          <a:srcRect l="35040" t="18561" r="36378" b="12273"/>
+          <a:stretch>
+            <a:fillRect/>
+          </a:stretch>
+        </p:blipFill>
+        <p:spPr bwMode="auto">
+          <a:xfrm>
+            <a:off x="-26347" y="1370523"/>
+            <a:ext cx="3239717" cy="5019473"/>
+          </a:xfrm>
+          <a:prstGeom prst="rect">
+            <a:avLst/>
+          </a:prstGeom>
+          <a:noFill/>
+          <a:ln>
+            <a:noFill/>
+          </a:ln>
+        </p:spPr>
+      </p:pic>
+      <p:sp>
+        <p:nvSpPr>
+          <p:cNvPr id="7" name="Content Placeholder 3">
+            <a:extLst>
+              <a:ext uri="{FF2B5EF4-FFF2-40B4-BE49-F238E27FC236}">
+                <a16:creationId xmlns:a16="http://schemas.microsoft.com/office/drawing/2014/main" id="{7B3044A6-49DB-4232-BF68-004308FD5379}"/>
+              </a:ext>
+            </a:extLst>
+          </p:cNvPr>
+          <p:cNvSpPr txBox="1">
+            <a:spLocks/>
+          </p:cNvSpPr>
+          <p:nvPr/>
+        </p:nvSpPr>
+        <p:spPr>
+          <a:xfrm>
+            <a:off x="3213370" y="669815"/>
+            <a:ext cx="3239717" cy="3715572"/>
+          </a:xfrm>
+          <a:prstGeom prst="rect">
+            <a:avLst/>
+          </a:prstGeom>
+        </p:spPr>
+        <p:txBody>
+          <a:bodyPr vert="horz" lIns="91440" tIns="45720" rIns="91440" bIns="45720" rtlCol="0" anchor="ctr">
+            <a:normAutofit/>
+          </a:bodyPr>
+          <a:lstStyle>
+            <a:lvl1pPr marL="285750" indent="-285750" algn="l" defTabSz="457200" rtl="0" eaLnBrk="1" latinLnBrk="0" hangingPunct="1">
+              <a:spcBef>
+                <a:spcPct val="20000"/>
+              </a:spcBef>
+              <a:spcAft>
+                <a:spcPts val="600"/>
+              </a:spcAft>
+              <a:buClr>
+                <a:schemeClr val="tx1"/>
+              </a:buClr>
+              <a:buSzPct val="100000"/>
+              <a:buFont typeface="Arial"/>
+              <a:buChar char="•"/>
+              <a:defRPr sz="1800" kern="1200" cap="small">
+                <a:gradFill flip="none" rotWithShape="1">
+                  <a:gsLst>
+                    <a:gs pos="0">
+                      <a:schemeClr val="tx1"/>
+                    </a:gs>
+                    <a:gs pos="100000">
+                      <a:schemeClr val="tx1">
+                        <a:lumMod val="75000"/>
+                      </a:schemeClr>
+                    </a:gs>
+                  </a:gsLst>
+                  <a:lin ang="5580000" scaled="0"/>
+                  <a:tileRect/>
+                </a:gradFill>
+                <a:effectLst>
+                  <a:glow rad="38100">
+                    <a:schemeClr val="bg1">
+                      <a:lumMod val="50000"/>
+                      <a:lumOff val="50000"/>
+                      <a:alpha val="20000"/>
+                    </a:schemeClr>
+                  </a:glow>
+                  <a:outerShdw blurRad="44450" dist="12700" dir="13860000" algn="tl" rotWithShape="0">
+                    <a:srgbClr val="000000">
+                      <a:alpha val="20000"/>
+                    </a:srgbClr>
+                  </a:outerShdw>
+                </a:effectLst>
+                <a:latin typeface="+mn-lt"/>
+                <a:ea typeface="+mn-ea"/>
+                <a:cs typeface="+mn-cs"/>
+              </a:defRPr>
+            </a:lvl1pPr>
+            <a:lvl2pPr marL="742950" indent="-285750" algn="l" defTabSz="457200" rtl="0" eaLnBrk="1" latinLnBrk="0" hangingPunct="1">
+              <a:spcBef>
+                <a:spcPct val="20000"/>
+              </a:spcBef>
+              <a:spcAft>
+                <a:spcPts val="600"/>
+              </a:spcAft>
+              <a:buClr>
+                <a:schemeClr val="tx1"/>
+              </a:buClr>
+              <a:buSzPct val="100000"/>
+              <a:buFont typeface="Arial"/>
+              <a:buChar char="•"/>
+              <a:defRPr sz="1600" kern="1200" cap="small">
+                <a:gradFill flip="none" rotWithShape="1">
+                  <a:gsLst>
+                    <a:gs pos="0">
+                      <a:schemeClr val="tx1"/>
+                    </a:gs>
+                    <a:gs pos="100000">
+                      <a:schemeClr val="tx1">
+                        <a:lumMod val="75000"/>
+                      </a:schemeClr>
+                    </a:gs>
+                  </a:gsLst>
+                  <a:lin ang="5580000" scaled="0"/>
+                  <a:tileRect/>
+                </a:gradFill>
+                <a:effectLst>
+                  <a:glow rad="38100">
+                    <a:schemeClr val="bg1">
+                      <a:lumMod val="50000"/>
+                      <a:lumOff val="50000"/>
+                      <a:alpha val="20000"/>
+                    </a:schemeClr>
+                  </a:glow>
+                  <a:outerShdw blurRad="44450" dist="12700" dir="13860000" algn="tl" rotWithShape="0">
+                    <a:srgbClr val="000000">
+                      <a:alpha val="20000"/>
+                    </a:srgbClr>
+                  </a:outerShdw>
+                </a:effectLst>
+                <a:latin typeface="+mn-lt"/>
+                <a:ea typeface="+mn-ea"/>
+                <a:cs typeface="+mn-cs"/>
+              </a:defRPr>
+            </a:lvl2pPr>
+            <a:lvl3pPr marL="1200150" indent="-285750" algn="l" defTabSz="457200" rtl="0" eaLnBrk="1" latinLnBrk="0" hangingPunct="1">
+              <a:spcBef>
+                <a:spcPct val="20000"/>
+              </a:spcBef>
+              <a:spcAft>
+                <a:spcPts val="600"/>
+              </a:spcAft>
+              <a:buClr>
+                <a:schemeClr val="tx1"/>
+              </a:buClr>
+              <a:buSzPct val="100000"/>
+              <a:buFont typeface="Arial"/>
+              <a:buChar char="•"/>
+              <a:defRPr sz="1400" kern="1200" cap="small">
+                <a:gradFill flip="none" rotWithShape="1">
+                  <a:gsLst>
+                    <a:gs pos="0">
+                      <a:schemeClr val="tx1"/>
+                    </a:gs>
+                    <a:gs pos="100000">
+                      <a:schemeClr val="tx1">
+                        <a:lumMod val="75000"/>
+                      </a:schemeClr>
+                    </a:gs>
+                  </a:gsLst>
+                  <a:lin ang="5580000" scaled="0"/>
+                  <a:tileRect/>
+                </a:gradFill>
+                <a:effectLst>
+                  <a:glow rad="38100">
+                    <a:schemeClr val="bg1">
+                      <a:lumMod val="50000"/>
+                      <a:lumOff val="50000"/>
+                      <a:alpha val="20000"/>
+                    </a:schemeClr>
+                  </a:glow>
+                  <a:outerShdw blurRad="44450" dist="12700" dir="13860000" algn="tl" rotWithShape="0">
+                    <a:srgbClr val="000000">
+                      <a:alpha val="20000"/>
+                    </a:srgbClr>
+                  </a:outerShdw>
+                </a:effectLst>
+                <a:latin typeface="+mn-lt"/>
+                <a:ea typeface="+mn-ea"/>
+                <a:cs typeface="+mn-cs"/>
+              </a:defRPr>
+            </a:lvl3pPr>
+            <a:lvl4pPr marL="1543050" indent="-171450" algn="l" defTabSz="457200" rtl="0" eaLnBrk="1" latinLnBrk="0" hangingPunct="1">
+              <a:spcBef>
+                <a:spcPct val="20000"/>
+              </a:spcBef>
+              <a:spcAft>
+                <a:spcPts val="600"/>
+              </a:spcAft>
+              <a:buClr>
+                <a:schemeClr val="tx1"/>
+              </a:buClr>
+              <a:buSzPct val="100000"/>
+              <a:buFont typeface="Arial"/>
+              <a:buChar char="•"/>
+              <a:defRPr sz="1200" kern="1200" cap="small">
+                <a:gradFill flip="none" rotWithShape="1">
+                  <a:gsLst>
+                    <a:gs pos="0">
+                      <a:schemeClr val="tx1"/>
+                    </a:gs>
+                    <a:gs pos="100000">
+                      <a:schemeClr val="tx1">
+                        <a:lumMod val="75000"/>
+                      </a:schemeClr>
+                    </a:gs>
+                  </a:gsLst>
+                  <a:lin ang="5580000" scaled="0"/>
+                  <a:tileRect/>
+                </a:gradFill>
+                <a:effectLst>
+                  <a:glow rad="38100">
+                    <a:schemeClr val="bg1">
+                      <a:lumMod val="50000"/>
+                      <a:lumOff val="50000"/>
+                      <a:alpha val="20000"/>
+                    </a:schemeClr>
+                  </a:glow>
+                  <a:outerShdw blurRad="44450" dist="12700" dir="13860000" algn="tl" rotWithShape="0">
+                    <a:srgbClr val="000000">
+                      <a:alpha val="20000"/>
+                    </a:srgbClr>
+                  </a:outerShdw>
+                </a:effectLst>
+                <a:latin typeface="+mn-lt"/>
+                <a:ea typeface="+mn-ea"/>
+                <a:cs typeface="+mn-cs"/>
+              </a:defRPr>
+            </a:lvl4pPr>
+            <a:lvl5pPr marL="2000250" indent="-171450" algn="l" defTabSz="457200" rtl="0" eaLnBrk="1" latinLnBrk="0" hangingPunct="1">
+              <a:spcBef>
+                <a:spcPct val="20000"/>
+              </a:spcBef>
+              <a:spcAft>
+                <a:spcPts val="600"/>
+              </a:spcAft>
+              <a:buClr>
+                <a:schemeClr val="tx1"/>
+              </a:buClr>
+              <a:buSzPct val="100000"/>
+              <a:buFont typeface="Arial"/>
+              <a:buChar char="•"/>
+              <a:defRPr sz="1200" kern="1200" cap="small">
+                <a:gradFill flip="none" rotWithShape="1">
+                  <a:gsLst>
+                    <a:gs pos="0">
+                      <a:schemeClr val="tx1"/>
+                    </a:gs>
+                    <a:gs pos="100000">
+                      <a:schemeClr val="tx1">
+                        <a:lumMod val="75000"/>
+                      </a:schemeClr>
+                    </a:gs>
+                  </a:gsLst>
+                  <a:lin ang="5580000" scaled="0"/>
+                  <a:tileRect/>
+                </a:gradFill>
+                <a:effectLst>
+                  <a:glow rad="38100">
+                    <a:schemeClr val="bg1">
+                      <a:lumMod val="50000"/>
+                      <a:lumOff val="50000"/>
+                      <a:alpha val="20000"/>
+                    </a:schemeClr>
+                  </a:glow>
+                  <a:outerShdw blurRad="44450" dist="12700" dir="13860000" algn="tl" rotWithShape="0">
+                    <a:srgbClr val="000000">
+                      <a:alpha val="20000"/>
+                    </a:srgbClr>
+                  </a:outerShdw>
+                </a:effectLst>
+                <a:latin typeface="+mn-lt"/>
+                <a:ea typeface="+mn-ea"/>
+                <a:cs typeface="+mn-cs"/>
+              </a:defRPr>
+            </a:lvl5pPr>
+            <a:lvl6pPr marL="2514600" indent="-228600" algn="l" defTabSz="457200" rtl="0" eaLnBrk="1" latinLnBrk="0" hangingPunct="1">
+              <a:spcBef>
+                <a:spcPct val="20000"/>
+              </a:spcBef>
+              <a:spcAft>
+                <a:spcPts val="600"/>
+              </a:spcAft>
+              <a:buClr>
+                <a:schemeClr val="tx1"/>
+              </a:buClr>
+              <a:buSzPct val="100000"/>
+              <a:buFont typeface="Arial"/>
+              <a:buChar char="•"/>
+              <a:defRPr sz="1200" kern="1200" cap="small">
+                <a:gradFill flip="none" rotWithShape="1">
+                  <a:gsLst>
+                    <a:gs pos="0">
+                      <a:schemeClr val="tx1"/>
+                    </a:gs>
+                    <a:gs pos="100000">
+                      <a:schemeClr val="tx1">
+                        <a:lumMod val="75000"/>
+                      </a:schemeClr>
+                    </a:gs>
+                  </a:gsLst>
+                  <a:lin ang="5580000" scaled="0"/>
+                  <a:tileRect/>
+                </a:gradFill>
+                <a:effectLst>
+                  <a:glow rad="38100">
+                    <a:schemeClr val="bg1">
+                      <a:lumMod val="50000"/>
+                      <a:lumOff val="50000"/>
+                      <a:alpha val="20000"/>
+                    </a:schemeClr>
+                  </a:glow>
+                  <a:outerShdw blurRad="44450" dist="12700" dir="13860000" algn="tl" rotWithShape="0">
+                    <a:srgbClr val="000000">
+                      <a:alpha val="20000"/>
+                    </a:srgbClr>
+                  </a:outerShdw>
+                </a:effectLst>
+                <a:latin typeface="+mn-lt"/>
+                <a:ea typeface="+mn-ea"/>
+                <a:cs typeface="+mn-cs"/>
+              </a:defRPr>
+            </a:lvl6pPr>
+            <a:lvl7pPr marL="2971800" indent="-228600" algn="l" defTabSz="457200" rtl="0" eaLnBrk="1" latinLnBrk="0" hangingPunct="1">
+              <a:spcBef>
+                <a:spcPct val="20000"/>
+              </a:spcBef>
+              <a:spcAft>
+                <a:spcPts val="600"/>
+              </a:spcAft>
+              <a:buClr>
+                <a:schemeClr val="tx1"/>
+              </a:buClr>
+              <a:buSzPct val="100000"/>
+              <a:buFont typeface="Arial"/>
+              <a:buChar char="•"/>
+              <a:defRPr sz="1200" kern="1200" cap="small">
+                <a:gradFill flip="none" rotWithShape="1">
+                  <a:gsLst>
+                    <a:gs pos="0">
+                      <a:schemeClr val="tx1"/>
+                    </a:gs>
+                    <a:gs pos="100000">
+                      <a:schemeClr val="tx1">
+                        <a:lumMod val="75000"/>
+                      </a:schemeClr>
+                    </a:gs>
+                  </a:gsLst>
+                  <a:lin ang="5580000" scaled="0"/>
+                  <a:tileRect/>
+                </a:gradFill>
+                <a:effectLst>
+                  <a:glow rad="38100">
+                    <a:schemeClr val="bg1">
+                      <a:lumMod val="50000"/>
+                      <a:lumOff val="50000"/>
+                      <a:alpha val="20000"/>
+                    </a:schemeClr>
+                  </a:glow>
+                  <a:outerShdw blurRad="44450" dist="12700" dir="13860000" algn="tl" rotWithShape="0">
+                    <a:srgbClr val="000000">
+                      <a:alpha val="20000"/>
+                    </a:srgbClr>
+                  </a:outerShdw>
+                </a:effectLst>
+                <a:latin typeface="+mn-lt"/>
+                <a:ea typeface="+mn-ea"/>
+                <a:cs typeface="+mn-cs"/>
+              </a:defRPr>
+            </a:lvl7pPr>
+            <a:lvl8pPr marL="3429000" indent="-228600" algn="l" defTabSz="457200" rtl="0" eaLnBrk="1" latinLnBrk="0" hangingPunct="1">
+              <a:spcBef>
+                <a:spcPct val="20000"/>
+              </a:spcBef>
+              <a:spcAft>
+                <a:spcPts val="600"/>
+              </a:spcAft>
+              <a:buClr>
+                <a:schemeClr val="tx1"/>
+              </a:buClr>
+              <a:buSzPct val="100000"/>
+              <a:buFont typeface="Arial"/>
+              <a:buChar char="•"/>
+              <a:defRPr sz="1200" kern="1200" cap="small">
+                <a:gradFill flip="none" rotWithShape="1">
+                  <a:gsLst>
+                    <a:gs pos="0">
+                      <a:schemeClr val="tx1"/>
+                    </a:gs>
+                    <a:gs pos="100000">
+                      <a:schemeClr val="tx1">
+                        <a:lumMod val="75000"/>
+                      </a:schemeClr>
+                    </a:gs>
+                  </a:gsLst>
+                  <a:lin ang="5580000" scaled="0"/>
+                  <a:tileRect/>
+                </a:gradFill>
+                <a:effectLst>
+                  <a:glow rad="38100">
+                    <a:schemeClr val="bg1">
+                      <a:lumMod val="50000"/>
+                      <a:lumOff val="50000"/>
+                      <a:alpha val="20000"/>
+                    </a:schemeClr>
+                  </a:glow>
+                  <a:outerShdw blurRad="44450" dist="12700" dir="13860000" algn="tl" rotWithShape="0">
+                    <a:srgbClr val="000000">
+                      <a:alpha val="20000"/>
+                    </a:srgbClr>
+                  </a:outerShdw>
+                </a:effectLst>
+                <a:latin typeface="+mn-lt"/>
+                <a:ea typeface="+mn-ea"/>
+                <a:cs typeface="+mn-cs"/>
+              </a:defRPr>
+            </a:lvl8pPr>
+            <a:lvl9pPr marL="3886200" indent="-228600" algn="l" defTabSz="457200" rtl="0" eaLnBrk="1" latinLnBrk="0" hangingPunct="1">
+              <a:spcBef>
+                <a:spcPct val="20000"/>
+              </a:spcBef>
+              <a:spcAft>
+                <a:spcPts val="600"/>
+              </a:spcAft>
+              <a:buClr>
+                <a:schemeClr val="tx1"/>
+              </a:buClr>
+              <a:buSzPct val="100000"/>
+              <a:buFont typeface="Arial"/>
+              <a:buChar char="•"/>
+              <a:defRPr sz="1200" kern="1200" cap="small">
+                <a:gradFill flip="none" rotWithShape="1">
+                  <a:gsLst>
+                    <a:gs pos="0">
+                      <a:schemeClr val="tx1"/>
+                    </a:gs>
+                    <a:gs pos="100000">
+                      <a:schemeClr val="tx1">
+                        <a:lumMod val="75000"/>
+                      </a:schemeClr>
+                    </a:gs>
+                  </a:gsLst>
+                  <a:lin ang="5580000" scaled="0"/>
+                  <a:tileRect/>
+                </a:gradFill>
+                <a:effectLst>
+                  <a:glow rad="38100">
+                    <a:schemeClr val="bg1">
+                      <a:lumMod val="50000"/>
+                      <a:lumOff val="50000"/>
+                      <a:alpha val="20000"/>
+                    </a:schemeClr>
+                  </a:glow>
+                  <a:outerShdw blurRad="44450" dist="12700" dir="13860000" algn="tl" rotWithShape="0">
+                    <a:srgbClr val="000000">
+                      <a:alpha val="20000"/>
+                    </a:srgbClr>
+                  </a:outerShdw>
+                </a:effectLst>
+                <a:latin typeface="+mn-lt"/>
+                <a:ea typeface="+mn-ea"/>
+                <a:cs typeface="+mn-cs"/>
+              </a:defRPr>
+            </a:lvl9pPr>
+          </a:lstStyle>
+          <a:p>
+            <a:pPr marL="0" indent="0">
+              <a:buFont typeface="Arial"/>
+              <a:buNone/>
+            </a:pPr>
+            <a:endParaRPr lang="en-US" dirty="0"/>
+          </a:p>
+          <a:p>
+            <a:r>
+              <a:rPr lang="en-US" dirty="0">
+                <a:effectLst/>
+              </a:rPr>
+              <a:t>A Correlation based feature selection Subset Evaluation method was also run . </a:t>
+            </a:r>
+          </a:p>
+          <a:p>
+            <a:r>
+              <a:rPr lang="en-US" dirty="0">
+                <a:effectLst/>
+              </a:rPr>
+              <a:t>Using this method of </a:t>
+            </a:r>
+            <a:r>
+              <a:rPr lang="en-US" dirty="0" err="1">
+                <a:effectLst/>
+              </a:rPr>
+              <a:t>weka</a:t>
+            </a:r>
+            <a:r>
+              <a:rPr lang="en-US" dirty="0">
+                <a:effectLst/>
+              </a:rPr>
+              <a:t> we were able to identify 13 important </a:t>
+            </a:r>
+            <a:r>
+              <a:rPr lang="en-US" dirty="0" err="1">
+                <a:effectLst/>
+              </a:rPr>
+              <a:t>variales</a:t>
+            </a:r>
+            <a:r>
+              <a:rPr lang="en-US" dirty="0">
+                <a:effectLst/>
+              </a:rPr>
+              <a:t> useful for classification</a:t>
+            </a:r>
             <a:endParaRPr lang="en-US" dirty="0"/>
           </a:p>
         </p:txBody>

--- a/Attrition Management.pptx
+++ b/Attrition Management.pptx
@@ -5036,7 +5036,7 @@
           <a:p>
             <a:fld id="{4AAD347D-5ACD-4C99-B74B-A9C85AD731AF}" type="datetimeFigureOut">
               <a:rPr lang="en-US" smtClean="0"/>
-              <a:t>4/22/2018</a:t>
+              <a:t>4/23/2018</a:t>
             </a:fld>
             <a:endParaRPr lang="en-US"/>
           </a:p>
@@ -5325,7 +5325,7 @@
           <a:p>
             <a:fld id="{4509A250-FF31-4206-8172-F9D3106AACB1}" type="datetimeFigureOut">
               <a:rPr lang="en-US" smtClean="0"/>
-              <a:t>4/22/2018</a:t>
+              <a:t>4/23/2018</a:t>
             </a:fld>
             <a:endParaRPr lang="en-US"/>
           </a:p>
@@ -5583,7 +5583,7 @@
           <a:p>
             <a:fld id="{4509A250-FF31-4206-8172-F9D3106AACB1}" type="datetimeFigureOut">
               <a:rPr lang="en-US" smtClean="0"/>
-              <a:t>4/22/2018</a:t>
+              <a:t>4/23/2018</a:t>
             </a:fld>
             <a:endParaRPr lang="en-US"/>
           </a:p>
@@ -6051,7 +6051,7 @@
           <a:p>
             <a:fld id="{4509A250-FF31-4206-8172-F9D3106AACB1}" type="datetimeFigureOut">
               <a:rPr lang="en-US" smtClean="0"/>
-              <a:t>4/22/2018</a:t>
+              <a:t>4/23/2018</a:t>
             </a:fld>
             <a:endParaRPr lang="en-US"/>
           </a:p>
@@ -6230,7 +6230,7 @@
           <a:p>
             <a:fld id="{4509A250-FF31-4206-8172-F9D3106AACB1}" type="datetimeFigureOut">
               <a:rPr lang="en-US" smtClean="0"/>
-              <a:t>4/22/2018</a:t>
+              <a:t>4/23/2018</a:t>
             </a:fld>
             <a:endParaRPr lang="en-US"/>
           </a:p>
@@ -6805,7 +6805,7 @@
           <a:p>
             <a:fld id="{4AAD347D-5ACD-4C99-B74B-A9C85AD731AF}" type="datetimeFigureOut">
               <a:rPr lang="en-US" smtClean="0"/>
-              <a:t>4/22/2018</a:t>
+              <a:t>4/23/2018</a:t>
             </a:fld>
             <a:endParaRPr lang="en-US"/>
           </a:p>
@@ -7137,7 +7137,7 @@
           <a:p>
             <a:fld id="{4AAD347D-5ACD-4C99-B74B-A9C85AD731AF}" type="datetimeFigureOut">
               <a:rPr lang="en-US" smtClean="0"/>
-              <a:t>4/22/2018</a:t>
+              <a:t>4/23/2018</a:t>
             </a:fld>
             <a:endParaRPr lang="en-US"/>
           </a:p>
@@ -7311,7 +7311,7 @@
           <a:p>
             <a:fld id="{4509A250-FF31-4206-8172-F9D3106AACB1}" type="datetimeFigureOut">
               <a:rPr lang="en-US" smtClean="0"/>
-              <a:t>4/22/2018</a:t>
+              <a:t>4/23/2018</a:t>
             </a:fld>
             <a:endParaRPr lang="en-US"/>
           </a:p>
@@ -7489,7 +7489,7 @@
           <a:p>
             <a:fld id="{4509A250-FF31-4206-8172-F9D3106AACB1}" type="datetimeFigureOut">
               <a:rPr lang="en-US" smtClean="0"/>
-              <a:t>4/22/2018</a:t>
+              <a:t>4/23/2018</a:t>
             </a:fld>
             <a:endParaRPr lang="en-US"/>
           </a:p>
@@ -7657,7 +7657,7 @@
           <a:p>
             <a:fld id="{4509A250-FF31-4206-8172-F9D3106AACB1}" type="datetimeFigureOut">
               <a:rPr lang="en-US" smtClean="0"/>
-              <a:t>4/22/2018</a:t>
+              <a:t>4/23/2018</a:t>
             </a:fld>
             <a:endParaRPr lang="en-US"/>
           </a:p>
@@ -7913,7 +7913,7 @@
           <a:p>
             <a:fld id="{9796027F-7875-4030-9381-8BD8C4F21935}" type="datetimeFigureOut">
               <a:rPr lang="en-US" smtClean="0"/>
-              <a:t>4/22/2018</a:t>
+              <a:t>4/23/2018</a:t>
             </a:fld>
             <a:endParaRPr lang="en-US"/>
           </a:p>
@@ -8202,7 +8202,7 @@
           <a:p>
             <a:fld id="{9796027F-7875-4030-9381-8BD8C4F21935}" type="datetimeFigureOut">
               <a:rPr lang="en-US" smtClean="0"/>
-              <a:t>4/22/2018</a:t>
+              <a:t>4/23/2018</a:t>
             </a:fld>
             <a:endParaRPr lang="en-US"/>
           </a:p>
@@ -8629,7 +8629,7 @@
           <a:p>
             <a:fld id="{9796027F-7875-4030-9381-8BD8C4F21935}" type="datetimeFigureOut">
               <a:rPr lang="en-US" smtClean="0"/>
-              <a:t>4/22/2018</a:t>
+              <a:t>4/23/2018</a:t>
             </a:fld>
             <a:endParaRPr lang="en-US"/>
           </a:p>
@@ -8746,7 +8746,7 @@
           <a:p>
             <a:fld id="{4509A250-FF31-4206-8172-F9D3106AACB1}" type="datetimeFigureOut">
               <a:rPr lang="en-US" smtClean="0"/>
-              <a:t>4/22/2018</a:t>
+              <a:t>4/23/2018</a:t>
             </a:fld>
             <a:endParaRPr lang="en-US"/>
           </a:p>
@@ -8841,7 +8841,7 @@
           <a:p>
             <a:fld id="{4509A250-FF31-4206-8172-F9D3106AACB1}" type="datetimeFigureOut">
               <a:rPr lang="en-US" smtClean="0"/>
-              <a:t>4/22/2018</a:t>
+              <a:t>4/23/2018</a:t>
             </a:fld>
             <a:endParaRPr lang="en-US"/>
           </a:p>
@@ -9122,7 +9122,7 @@
           <a:p>
             <a:fld id="{4509A250-FF31-4206-8172-F9D3106AACB1}" type="datetimeFigureOut">
               <a:rPr lang="en-US" smtClean="0"/>
-              <a:t>4/22/2018</a:t>
+              <a:t>4/23/2018</a:t>
             </a:fld>
             <a:endParaRPr lang="en-US"/>
           </a:p>
@@ -9411,7 +9411,7 @@
           <a:p>
             <a:fld id="{4509A250-FF31-4206-8172-F9D3106AACB1}" type="datetimeFigureOut">
               <a:rPr lang="en-US" smtClean="0"/>
-              <a:t>4/22/2018</a:t>
+              <a:t>4/23/2018</a:t>
             </a:fld>
             <a:endParaRPr lang="en-US"/>
           </a:p>
@@ -9640,7 +9640,7 @@
           <a:p>
             <a:fld id="{4AAD347D-5ACD-4C99-B74B-A9C85AD731AF}" type="datetimeFigureOut">
               <a:rPr lang="en-US" smtClean="0"/>
-              <a:t>4/22/2018</a:t>
+              <a:t>4/23/2018</a:t>
             </a:fld>
             <a:endParaRPr lang="en-US"/>
           </a:p>
@@ -27261,7 +27261,15 @@
           <a:p>
             <a:r>
               <a:rPr lang="en-US" dirty="0"/>
-              <a:t>Well our data is serious imbalanced, so the first challenge we faced was balancing it (83/16)%</a:t>
+              <a:t>Well our data </a:t>
+            </a:r>
+            <a:r>
+              <a:rPr lang="en-US"/>
+              <a:t>is seriously </a:t>
+            </a:r>
+            <a:r>
+              <a:rPr lang="en-US" dirty="0"/>
+              <a:t>imbalanced, so the first challenge we faced was balancing it (83/16)%</a:t>
             </a:r>
           </a:p>
           <a:p>

--- a/Attrition Management.pptx
+++ b/Attrition Management.pptx
@@ -5036,7 +5036,7 @@
           <a:p>
             <a:fld id="{4AAD347D-5ACD-4C99-B74B-A9C85AD731AF}" type="datetimeFigureOut">
               <a:rPr lang="en-US" smtClean="0"/>
-              <a:t>4/23/2018</a:t>
+              <a:t>4/22/2018</a:t>
             </a:fld>
             <a:endParaRPr lang="en-US"/>
           </a:p>
@@ -5325,7 +5325,7 @@
           <a:p>
             <a:fld id="{4509A250-FF31-4206-8172-F9D3106AACB1}" type="datetimeFigureOut">
               <a:rPr lang="en-US" smtClean="0"/>
-              <a:t>4/23/2018</a:t>
+              <a:t>4/22/2018</a:t>
             </a:fld>
             <a:endParaRPr lang="en-US"/>
           </a:p>
@@ -5583,7 +5583,7 @@
           <a:p>
             <a:fld id="{4509A250-FF31-4206-8172-F9D3106AACB1}" type="datetimeFigureOut">
               <a:rPr lang="en-US" smtClean="0"/>
-              <a:t>4/23/2018</a:t>
+              <a:t>4/22/2018</a:t>
             </a:fld>
             <a:endParaRPr lang="en-US"/>
           </a:p>
@@ -6051,7 +6051,7 @@
           <a:p>
             <a:fld id="{4509A250-FF31-4206-8172-F9D3106AACB1}" type="datetimeFigureOut">
               <a:rPr lang="en-US" smtClean="0"/>
-              <a:t>4/23/2018</a:t>
+              <a:t>4/22/2018</a:t>
             </a:fld>
             <a:endParaRPr lang="en-US"/>
           </a:p>
@@ -6230,7 +6230,7 @@
           <a:p>
             <a:fld id="{4509A250-FF31-4206-8172-F9D3106AACB1}" type="datetimeFigureOut">
               <a:rPr lang="en-US" smtClean="0"/>
-              <a:t>4/23/2018</a:t>
+              <a:t>4/22/2018</a:t>
             </a:fld>
             <a:endParaRPr lang="en-US"/>
           </a:p>
@@ -6805,7 +6805,7 @@
           <a:p>
             <a:fld id="{4AAD347D-5ACD-4C99-B74B-A9C85AD731AF}" type="datetimeFigureOut">
               <a:rPr lang="en-US" smtClean="0"/>
-              <a:t>4/23/2018</a:t>
+              <a:t>4/22/2018</a:t>
             </a:fld>
             <a:endParaRPr lang="en-US"/>
           </a:p>
@@ -7137,7 +7137,7 @@
           <a:p>
             <a:fld id="{4AAD347D-5ACD-4C99-B74B-A9C85AD731AF}" type="datetimeFigureOut">
               <a:rPr lang="en-US" smtClean="0"/>
-              <a:t>4/23/2018</a:t>
+              <a:t>4/22/2018</a:t>
             </a:fld>
             <a:endParaRPr lang="en-US"/>
           </a:p>
@@ -7311,7 +7311,7 @@
           <a:p>
             <a:fld id="{4509A250-FF31-4206-8172-F9D3106AACB1}" type="datetimeFigureOut">
               <a:rPr lang="en-US" smtClean="0"/>
-              <a:t>4/23/2018</a:t>
+              <a:t>4/22/2018</a:t>
             </a:fld>
             <a:endParaRPr lang="en-US"/>
           </a:p>
@@ -7489,7 +7489,7 @@
           <a:p>
             <a:fld id="{4509A250-FF31-4206-8172-F9D3106AACB1}" type="datetimeFigureOut">
               <a:rPr lang="en-US" smtClean="0"/>
-              <a:t>4/23/2018</a:t>
+              <a:t>4/22/2018</a:t>
             </a:fld>
             <a:endParaRPr lang="en-US"/>
           </a:p>
@@ -7657,7 +7657,7 @@
           <a:p>
             <a:fld id="{4509A250-FF31-4206-8172-F9D3106AACB1}" type="datetimeFigureOut">
               <a:rPr lang="en-US" smtClean="0"/>
-              <a:t>4/23/2018</a:t>
+              <a:t>4/22/2018</a:t>
             </a:fld>
             <a:endParaRPr lang="en-US"/>
           </a:p>
@@ -7913,7 +7913,7 @@
           <a:p>
             <a:fld id="{9796027F-7875-4030-9381-8BD8C4F21935}" type="datetimeFigureOut">
               <a:rPr lang="en-US" smtClean="0"/>
-              <a:t>4/23/2018</a:t>
+              <a:t>4/22/2018</a:t>
             </a:fld>
             <a:endParaRPr lang="en-US"/>
           </a:p>
@@ -8202,7 +8202,7 @@
           <a:p>
             <a:fld id="{9796027F-7875-4030-9381-8BD8C4F21935}" type="datetimeFigureOut">
               <a:rPr lang="en-US" smtClean="0"/>
-              <a:t>4/23/2018</a:t>
+              <a:t>4/22/2018</a:t>
             </a:fld>
             <a:endParaRPr lang="en-US"/>
           </a:p>
@@ -8629,7 +8629,7 @@
           <a:p>
             <a:fld id="{9796027F-7875-4030-9381-8BD8C4F21935}" type="datetimeFigureOut">
               <a:rPr lang="en-US" smtClean="0"/>
-              <a:t>4/23/2018</a:t>
+              <a:t>4/22/2018</a:t>
             </a:fld>
             <a:endParaRPr lang="en-US"/>
           </a:p>
@@ -8746,7 +8746,7 @@
           <a:p>
             <a:fld id="{4509A250-FF31-4206-8172-F9D3106AACB1}" type="datetimeFigureOut">
               <a:rPr lang="en-US" smtClean="0"/>
-              <a:t>4/23/2018</a:t>
+              <a:t>4/22/2018</a:t>
             </a:fld>
             <a:endParaRPr lang="en-US"/>
           </a:p>
@@ -8841,7 +8841,7 @@
           <a:p>
             <a:fld id="{4509A250-FF31-4206-8172-F9D3106AACB1}" type="datetimeFigureOut">
               <a:rPr lang="en-US" smtClean="0"/>
-              <a:t>4/23/2018</a:t>
+              <a:t>4/22/2018</a:t>
             </a:fld>
             <a:endParaRPr lang="en-US"/>
           </a:p>
@@ -9122,7 +9122,7 @@
           <a:p>
             <a:fld id="{4509A250-FF31-4206-8172-F9D3106AACB1}" type="datetimeFigureOut">
               <a:rPr lang="en-US" smtClean="0"/>
-              <a:t>4/23/2018</a:t>
+              <a:t>4/22/2018</a:t>
             </a:fld>
             <a:endParaRPr lang="en-US"/>
           </a:p>
@@ -9411,7 +9411,7 @@
           <a:p>
             <a:fld id="{4509A250-FF31-4206-8172-F9D3106AACB1}" type="datetimeFigureOut">
               <a:rPr lang="en-US" smtClean="0"/>
-              <a:t>4/23/2018</a:t>
+              <a:t>4/22/2018</a:t>
             </a:fld>
             <a:endParaRPr lang="en-US"/>
           </a:p>
@@ -9640,7 +9640,7 @@
           <a:p>
             <a:fld id="{4AAD347D-5ACD-4C99-B74B-A9C85AD731AF}" type="datetimeFigureOut">
               <a:rPr lang="en-US" smtClean="0"/>
-              <a:t>4/23/2018</a:t>
+              <a:t>4/22/2018</a:t>
             </a:fld>
             <a:endParaRPr lang="en-US"/>
           </a:p>
@@ -27261,15 +27261,7 @@
           <a:p>
             <a:r>
               <a:rPr lang="en-US" dirty="0"/>
-              <a:t>Well our data </a:t>
-            </a:r>
-            <a:r>
-              <a:rPr lang="en-US"/>
-              <a:t>is seriously </a:t>
-            </a:r>
-            <a:r>
-              <a:rPr lang="en-US" dirty="0"/>
-              <a:t>imbalanced, so the first challenge we faced was balancing it (83/16)%</a:t>
+              <a:t>Well our data is serious imbalanced, so the first challenge we faced was balancing it (83/16)%</a:t>
             </a:r>
           </a:p>
           <a:p>
